--- a/presentaion.pptx
+++ b/presentaion.pptx
@@ -9,12 +9,14 @@
     <p:sldId id="263" r:id="rId3"/>
     <p:sldId id="266" r:id="rId4"/>
     <p:sldId id="264" r:id="rId5"/>
-    <p:sldId id="256" r:id="rId6"/>
-    <p:sldId id="257" r:id="rId7"/>
-    <p:sldId id="258" r:id="rId8"/>
-    <p:sldId id="259" r:id="rId9"/>
-    <p:sldId id="260" r:id="rId10"/>
-    <p:sldId id="261" r:id="rId11"/>
+    <p:sldId id="268" r:id="rId6"/>
+    <p:sldId id="267" r:id="rId7"/>
+    <p:sldId id="256" r:id="rId8"/>
+    <p:sldId id="257" r:id="rId9"/>
+    <p:sldId id="258" r:id="rId10"/>
+    <p:sldId id="259" r:id="rId11"/>
+    <p:sldId id="260" r:id="rId12"/>
+    <p:sldId id="261" r:id="rId13"/>
   </p:sldIdLst>
   <p:sldSz cx="12192000" cy="6858000"/>
   <p:notesSz cx="6858000" cy="9144000"/>
@@ -3432,6 +3434,126 @@
           <p:cNvPr id="5" name="Picture 4">
             <a:extLst>
               <a:ext uri="{FF2B5EF4-FFF2-40B4-BE49-F238E27FC236}">
+                <a16:creationId xmlns:a16="http://schemas.microsoft.com/office/drawing/2014/main" id="{0AF99CED-8509-4A8C-BC4D-525AEA2D10A9}"/>
+              </a:ext>
+            </a:extLst>
+          </p:cNvPr>
+          <p:cNvPicPr>
+            <a:picLocks noChangeAspect="1"/>
+          </p:cNvPicPr>
+          <p:nvPr/>
+        </p:nvPicPr>
+        <p:blipFill>
+          <a:blip r:embed="rId2"/>
+          <a:stretch>
+            <a:fillRect/>
+          </a:stretch>
+        </p:blipFill>
+        <p:spPr>
+          <a:xfrm>
+            <a:off x="1356010" y="0"/>
+            <a:ext cx="9479979" cy="6858000"/>
+          </a:xfrm>
+          <a:prstGeom prst="rect">
+            <a:avLst/>
+          </a:prstGeom>
+        </p:spPr>
+      </p:pic>
+    </p:spTree>
+    <p:extLst>
+      <p:ext uri="{BB962C8B-B14F-4D97-AF65-F5344CB8AC3E}">
+        <p14:creationId xmlns:p14="http://schemas.microsoft.com/office/powerpoint/2010/main" val="940833326"/>
+      </p:ext>
+    </p:extLst>
+  </p:cSld>
+  <p:clrMapOvr>
+    <a:masterClrMapping/>
+  </p:clrMapOvr>
+</p:sld>
+</file>
+
+<file path=ppt/slides/slide11.xml><?xml version="1.0" encoding="utf-8"?>
+<p:sld xmlns:a="http://schemas.openxmlformats.org/drawingml/2006/main" xmlns:r="http://schemas.openxmlformats.org/officeDocument/2006/relationships" xmlns:p="http://schemas.openxmlformats.org/presentationml/2006/main">
+  <p:cSld>
+    <p:spTree>
+      <p:nvGrpSpPr>
+        <p:cNvPr id="1" name=""/>
+        <p:cNvGrpSpPr/>
+        <p:nvPr/>
+      </p:nvGrpSpPr>
+      <p:grpSpPr>
+        <a:xfrm>
+          <a:off x="0" y="0"/>
+          <a:ext cx="0" cy="0"/>
+          <a:chOff x="0" y="0"/>
+          <a:chExt cx="0" cy="0"/>
+        </a:xfrm>
+      </p:grpSpPr>
+      <p:pic>
+        <p:nvPicPr>
+          <p:cNvPr id="3" name="Picture 2">
+            <a:extLst>
+              <a:ext uri="{FF2B5EF4-FFF2-40B4-BE49-F238E27FC236}">
+                <a16:creationId xmlns:a16="http://schemas.microsoft.com/office/drawing/2014/main" id="{82B3BB8A-F12F-4C3A-B23C-94AF251131F8}"/>
+              </a:ext>
+            </a:extLst>
+          </p:cNvPr>
+          <p:cNvPicPr>
+            <a:picLocks noChangeAspect="1"/>
+          </p:cNvPicPr>
+          <p:nvPr/>
+        </p:nvPicPr>
+        <p:blipFill>
+          <a:blip r:embed="rId2"/>
+          <a:stretch>
+            <a:fillRect/>
+          </a:stretch>
+        </p:blipFill>
+        <p:spPr>
+          <a:xfrm>
+            <a:off x="1103572" y="0"/>
+            <a:ext cx="9984855" cy="6858000"/>
+          </a:xfrm>
+          <a:prstGeom prst="rect">
+            <a:avLst/>
+          </a:prstGeom>
+        </p:spPr>
+      </p:pic>
+    </p:spTree>
+    <p:extLst>
+      <p:ext uri="{BB962C8B-B14F-4D97-AF65-F5344CB8AC3E}">
+        <p14:creationId xmlns:p14="http://schemas.microsoft.com/office/powerpoint/2010/main" val="532807360"/>
+      </p:ext>
+    </p:extLst>
+  </p:cSld>
+  <p:clrMapOvr>
+    <a:masterClrMapping/>
+  </p:clrMapOvr>
+</p:sld>
+</file>
+
+<file path=ppt/slides/slide12.xml><?xml version="1.0" encoding="utf-8"?>
+<p:sld xmlns:a="http://schemas.openxmlformats.org/drawingml/2006/main" xmlns:r="http://schemas.openxmlformats.org/officeDocument/2006/relationships" xmlns:p="http://schemas.openxmlformats.org/presentationml/2006/main">
+  <p:cSld>
+    <p:spTree>
+      <p:nvGrpSpPr>
+        <p:cNvPr id="1" name=""/>
+        <p:cNvGrpSpPr/>
+        <p:nvPr/>
+      </p:nvGrpSpPr>
+      <p:grpSpPr>
+        <a:xfrm>
+          <a:off x="0" y="0"/>
+          <a:ext cx="0" cy="0"/>
+          <a:chOff x="0" y="0"/>
+          <a:chExt cx="0" cy="0"/>
+        </a:xfrm>
+      </p:grpSpPr>
+      <p:pic>
+        <p:nvPicPr>
+          <p:cNvPr id="5" name="Picture 4">
+            <a:extLst>
+              <a:ext uri="{FF2B5EF4-FFF2-40B4-BE49-F238E27FC236}">
                 <a16:creationId xmlns:a16="http://schemas.microsoft.com/office/drawing/2014/main" id="{75B3E245-637A-43E7-91E5-2AE5573561D9}"/>
               </a:ext>
             </a:extLst>
@@ -3813,28 +3935,27 @@
           <a:lstStyle/>
           <a:p>
             <a:r>
-              <a:rPr lang="en-US" sz="2000"/>
-              <a:t>As cs students, we have encountered a situation, that when applying for development position many companies required projects</a:t>
-            </a:r>
-          </a:p>
-          <a:p>
-            <a:r>
-              <a:rPr lang="en-US" sz="2000"/>
-              <a:t>Though we do love to program, we had a hard time producing project and managing them on our on. </a:t>
-            </a:r>
-          </a:p>
-          <a:p>
-            <a:r>
-              <a:rPr lang="en-US" sz="2000"/>
-              <a:t>After consulting with our classmates, we found it was a real problem, - and came up with the idea to develop a side project management platform</a:t>
-            </a:r>
-          </a:p>
-          <a:p>
-            <a:r>
-              <a:rPr lang="en-US" sz="2000"/>
-              <a:t> a survey we conducted indicated that over 60% of student ask wanted to join such a platform immediately . </a:t>
-            </a:r>
-            <a:endParaRPr lang="he-IL" sz="2000"/>
+              <a:rPr lang="en-US" sz="2000" dirty="0"/>
+              <a:t>Today, many companies prefer students with an industry experience or projects over inexperienced students.</a:t>
+            </a:r>
+          </a:p>
+          <a:p>
+            <a:r>
+              <a:rPr lang="en-US" sz="2000" dirty="0"/>
+              <a:t>Evidentially, inexperienced students have harder time managing and executing projects.</a:t>
+            </a:r>
+          </a:p>
+          <a:p>
+            <a:r>
+              <a:rPr lang="en-US" sz="2000" dirty="0"/>
+              <a:t>We realized, many organizations can benefit from small effort projects for free or for small price by a third party</a:t>
+            </a:r>
+          </a:p>
+          <a:p>
+            <a:r>
+              <a:rPr lang="en-US" sz="2000" dirty="0"/>
+              <a:t>As a result, we produced the idea to develop a side project management platform</a:t>
+            </a:r>
           </a:p>
         </p:txBody>
       </p:sp>
@@ -4101,26 +4222,26 @@
           <a:lstStyle/>
           <a:p>
             <a:r>
-              <a:rPr lang="en-US" sz="2000"/>
+              <a:rPr lang="en-US" sz="2000" dirty="0"/>
               <a:t>During covid a lot of companies has slowed or stopped all completely the recruitment of students for development positions</a:t>
             </a:r>
           </a:p>
           <a:p>
             <a:r>
-              <a:rPr lang="en-US" sz="2000"/>
+              <a:rPr lang="en-US" sz="2000" dirty="0"/>
               <a:t>The few opening had fierce competition and we needed a way to set ourself out from the crowds.</a:t>
             </a:r>
           </a:p>
           <a:p>
             <a:r>
-              <a:rPr lang="en-US" sz="2000"/>
-              <a:t>Even more so when our grades became obsolete dough to the university policy</a:t>
-            </a:r>
-          </a:p>
-          <a:p>
-            <a:r>
-              <a:rPr lang="en-US" sz="2000"/>
-              <a:t>Our product enable students to gain experience and confidence those making the job-hunting process a little easier </a:t>
+              <a:rPr lang="en-US" sz="2000" dirty="0"/>
+              <a:t>Even more so when our grades became obsolete due to the university policy</a:t>
+            </a:r>
+          </a:p>
+          <a:p>
+            <a:r>
+              <a:rPr lang="en-US" sz="2000" dirty="0"/>
+              <a:t>Our product enables students to gain experience and confidence, thus making the job-hunting process a little easier </a:t>
             </a:r>
           </a:p>
         </p:txBody>
@@ -4318,36 +4439,37 @@
             <a:pPr lvl="1"/>
             <a:r>
               <a:rPr lang="en-US" sz="1600" dirty="0"/>
-              <a:t>Allowing us to continue development</a:t>
+              <a:t>Allowing us to continue development in the future</a:t>
             </a:r>
           </a:p>
           <a:p>
             <a:r>
               <a:rPr lang="en-US" sz="2000" dirty="0"/>
-              <a:t>Using elaborate design patterns – in order to be able to expand our activity</a:t>
+              <a:t>Community and collaboration </a:t>
             </a:r>
           </a:p>
           <a:p>
             <a:r>
               <a:rPr lang="en-US" sz="2000" dirty="0"/>
-              <a:t>User friendly design </a:t>
-            </a:r>
-          </a:p>
-          <a:p>
-            <a:pPr lvl="1"/>
-            <a:r>
-              <a:rPr lang="en-US" sz="1600" dirty="0"/>
-              <a:t>Encourages beginner programmers to use the platform </a:t>
-            </a:r>
-          </a:p>
-          <a:p>
-            <a:pPr lvl="1"/>
-            <a:r>
-              <a:rPr lang="en-US" sz="1600" dirty="0"/>
-              <a:t>Game like experience </a:t>
-            </a:r>
-          </a:p>
-          <a:p>
+              <a:t>Open source development </a:t>
+            </a:r>
+          </a:p>
+          <a:p>
+            <a:r>
+              <a:rPr lang="en-US" sz="2000" dirty="0"/>
+              <a:t>Encouraging inexperienced developers </a:t>
+            </a:r>
+          </a:p>
+          <a:p>
+            <a:r>
+              <a:rPr lang="en-US" sz="2000" dirty="0"/>
+              <a:t>User friendly platform </a:t>
+            </a:r>
+          </a:p>
+          <a:p>
+            <a:pPr marL="0" indent="0">
+              <a:buNone/>
+            </a:pPr>
             <a:endParaRPr lang="he-IL" sz="2000" dirty="0"/>
           </a:p>
         </p:txBody>
@@ -4374,8 +4496,8 @@
         </p:blipFill>
         <p:spPr>
           <a:xfrm>
-            <a:off x="8648700" y="2390775"/>
-            <a:ext cx="3543300" cy="4467225"/>
+            <a:off x="8706794" y="2464018"/>
+            <a:ext cx="3485205" cy="4393982"/>
           </a:xfrm>
           <a:prstGeom prst="rect">
             <a:avLst/>
@@ -4417,6 +4539,320 @@
           <p:cNvPr id="5" name="Picture 4">
             <a:extLst>
               <a:ext uri="{FF2B5EF4-FFF2-40B4-BE49-F238E27FC236}">
+                <a16:creationId xmlns:a16="http://schemas.microsoft.com/office/drawing/2014/main" id="{EDEF23FF-1F17-4AC9-9CCE-F56DDCAE0C2F}"/>
+              </a:ext>
+            </a:extLst>
+          </p:cNvPr>
+          <p:cNvPicPr>
+            <a:picLocks noChangeAspect="1"/>
+          </p:cNvPicPr>
+          <p:nvPr/>
+        </p:nvPicPr>
+        <p:blipFill>
+          <a:blip r:embed="rId2"/>
+          <a:stretch>
+            <a:fillRect/>
+          </a:stretch>
+        </p:blipFill>
+        <p:spPr>
+          <a:xfrm>
+            <a:off x="75500" y="5494675"/>
+            <a:ext cx="12192000" cy="1364576"/>
+          </a:xfrm>
+          <a:prstGeom prst="rect">
+            <a:avLst/>
+          </a:prstGeom>
+        </p:spPr>
+      </p:pic>
+      <p:sp>
+        <p:nvSpPr>
+          <p:cNvPr id="2" name="Title 1">
+            <a:extLst>
+              <a:ext uri="{FF2B5EF4-FFF2-40B4-BE49-F238E27FC236}">
+                <a16:creationId xmlns:a16="http://schemas.microsoft.com/office/drawing/2014/main" id="{F0F4FCB1-C543-4F49-852F-8611E9072E75}"/>
+              </a:ext>
+            </a:extLst>
+          </p:cNvPr>
+          <p:cNvSpPr>
+            <a:spLocks noGrp="1"/>
+          </p:cNvSpPr>
+          <p:nvPr>
+            <p:ph type="title"/>
+          </p:nvPr>
+        </p:nvSpPr>
+        <p:spPr/>
+        <p:txBody>
+          <a:bodyPr/>
+          <a:lstStyle/>
+          <a:p>
+            <a:r>
+              <a:rPr lang="en-US" dirty="0"/>
+              <a:t>Our current product </a:t>
+            </a:r>
+            <a:endParaRPr lang="he-IL" dirty="0"/>
+          </a:p>
+        </p:txBody>
+      </p:sp>
+      <p:sp>
+        <p:nvSpPr>
+          <p:cNvPr id="3" name="Content Placeholder 2">
+            <a:extLst>
+              <a:ext uri="{FF2B5EF4-FFF2-40B4-BE49-F238E27FC236}">
+                <a16:creationId xmlns:a16="http://schemas.microsoft.com/office/drawing/2014/main" id="{D6CA841D-3AD1-4930-8FC5-B8B09C795AFC}"/>
+              </a:ext>
+            </a:extLst>
+          </p:cNvPr>
+          <p:cNvSpPr>
+            <a:spLocks noGrp="1"/>
+          </p:cNvSpPr>
+          <p:nvPr>
+            <p:ph idx="1"/>
+          </p:nvPr>
+        </p:nvSpPr>
+        <p:spPr/>
+        <p:txBody>
+          <a:bodyPr/>
+          <a:lstStyle/>
+          <a:p>
+            <a:r>
+              <a:rPr lang="en-US" dirty="0"/>
+              <a:t>Web application</a:t>
+            </a:r>
+          </a:p>
+          <a:p>
+            <a:r>
+              <a:rPr lang="en-US" dirty="0"/>
+              <a:t>Server side – with RESTful API (Implemented with python’s flask)</a:t>
+            </a:r>
+          </a:p>
+          <a:p>
+            <a:r>
+              <a:rPr lang="en-US" dirty="0"/>
+              <a:t>Frontend – using react with TypeScript</a:t>
+            </a:r>
+          </a:p>
+          <a:p>
+            <a:r>
+              <a:rPr lang="en-US" dirty="0"/>
+              <a:t>Design – Using Figma and material design</a:t>
+            </a:r>
+          </a:p>
+          <a:p>
+            <a:r>
+              <a:rPr lang="en-US" dirty="0"/>
+              <a:t>Organizations – each organization can sign up and register projects</a:t>
+            </a:r>
+          </a:p>
+          <a:p>
+            <a:r>
+              <a:rPr lang="en-US" dirty="0"/>
+              <a:t>Students – each student can sign up and register to ongoing projects</a:t>
+            </a:r>
+          </a:p>
+          <a:p>
+            <a:r>
+              <a:rPr lang="en-US" dirty="0"/>
+              <a:t>Rewards – students get reward for projects they do </a:t>
+            </a:r>
+          </a:p>
+          <a:p>
+            <a:endParaRPr lang="he-IL" dirty="0"/>
+          </a:p>
+        </p:txBody>
+      </p:sp>
+    </p:spTree>
+    <p:extLst>
+      <p:ext uri="{BB962C8B-B14F-4D97-AF65-F5344CB8AC3E}">
+        <p14:creationId xmlns:p14="http://schemas.microsoft.com/office/powerpoint/2010/main" val="3777091179"/>
+      </p:ext>
+    </p:extLst>
+  </p:cSld>
+  <p:clrMapOvr>
+    <a:masterClrMapping/>
+  </p:clrMapOvr>
+</p:sld>
+</file>
+
+<file path=ppt/slides/slide6.xml><?xml version="1.0" encoding="utf-8"?>
+<p:sld xmlns:a="http://schemas.openxmlformats.org/drawingml/2006/main" xmlns:r="http://schemas.openxmlformats.org/officeDocument/2006/relationships" xmlns:p="http://schemas.openxmlformats.org/presentationml/2006/main">
+  <p:cSld>
+    <p:spTree>
+      <p:nvGrpSpPr>
+        <p:cNvPr id="1" name=""/>
+        <p:cNvGrpSpPr/>
+        <p:nvPr/>
+      </p:nvGrpSpPr>
+      <p:grpSpPr>
+        <a:xfrm>
+          <a:off x="0" y="0"/>
+          <a:ext cx="0" cy="0"/>
+          <a:chOff x="0" y="0"/>
+          <a:chExt cx="0" cy="0"/>
+        </a:xfrm>
+      </p:grpSpPr>
+      <p:pic>
+        <p:nvPicPr>
+          <p:cNvPr id="4" name="Picture 3">
+            <a:extLst>
+              <a:ext uri="{FF2B5EF4-FFF2-40B4-BE49-F238E27FC236}">
+                <a16:creationId xmlns:a16="http://schemas.microsoft.com/office/drawing/2014/main" id="{89F09108-000F-4FF1-9F24-434776D7B725}"/>
+              </a:ext>
+            </a:extLst>
+          </p:cNvPr>
+          <p:cNvPicPr>
+            <a:picLocks noChangeAspect="1"/>
+          </p:cNvPicPr>
+          <p:nvPr/>
+        </p:nvPicPr>
+        <p:blipFill>
+          <a:blip r:embed="rId2"/>
+          <a:stretch>
+            <a:fillRect/>
+          </a:stretch>
+        </p:blipFill>
+        <p:spPr>
+          <a:xfrm>
+            <a:off x="9508718" y="2506661"/>
+            <a:ext cx="2806614" cy="4351339"/>
+          </a:xfrm>
+          <a:prstGeom prst="rect">
+            <a:avLst/>
+          </a:prstGeom>
+        </p:spPr>
+      </p:pic>
+      <p:sp>
+        <p:nvSpPr>
+          <p:cNvPr id="2" name="Title 1">
+            <a:extLst>
+              <a:ext uri="{FF2B5EF4-FFF2-40B4-BE49-F238E27FC236}">
+                <a16:creationId xmlns:a16="http://schemas.microsoft.com/office/drawing/2014/main" id="{0E3161EC-D021-4495-9A53-CD4BE6F64FB1}"/>
+              </a:ext>
+            </a:extLst>
+          </p:cNvPr>
+          <p:cNvSpPr>
+            <a:spLocks noGrp="1"/>
+          </p:cNvSpPr>
+          <p:nvPr>
+            <p:ph type="title"/>
+          </p:nvPr>
+        </p:nvSpPr>
+        <p:spPr/>
+        <p:txBody>
+          <a:bodyPr/>
+          <a:lstStyle/>
+          <a:p>
+            <a:r>
+              <a:rPr lang="en-US" dirty="0"/>
+              <a:t>The next Stage</a:t>
+            </a:r>
+            <a:endParaRPr lang="he-IL" dirty="0"/>
+          </a:p>
+        </p:txBody>
+      </p:sp>
+      <p:sp>
+        <p:nvSpPr>
+          <p:cNvPr id="3" name="Content Placeholder 2">
+            <a:extLst>
+              <a:ext uri="{FF2B5EF4-FFF2-40B4-BE49-F238E27FC236}">
+                <a16:creationId xmlns:a16="http://schemas.microsoft.com/office/drawing/2014/main" id="{246C0A89-4207-4C61-9E9A-4A23C83B24AA}"/>
+              </a:ext>
+            </a:extLst>
+          </p:cNvPr>
+          <p:cNvSpPr>
+            <a:spLocks noGrp="1"/>
+          </p:cNvSpPr>
+          <p:nvPr>
+            <p:ph idx="1"/>
+          </p:nvPr>
+        </p:nvSpPr>
+        <p:spPr/>
+        <p:txBody>
+          <a:bodyPr/>
+          <a:lstStyle/>
+          <a:p>
+            <a:r>
+              <a:rPr lang="en-US" dirty="0"/>
+              <a:t>Better design – already designed </a:t>
+            </a:r>
+          </a:p>
+          <a:p>
+            <a:r>
+              <a:rPr lang="en-US" dirty="0"/>
+              <a:t>Promoted internship, and paid internship</a:t>
+            </a:r>
+          </a:p>
+          <a:p>
+            <a:pPr lvl="1"/>
+            <a:r>
+              <a:rPr lang="en-US" dirty="0"/>
+              <a:t>Integration with PayPal and other payment solutions  </a:t>
+            </a:r>
+          </a:p>
+          <a:p>
+            <a:r>
+              <a:rPr lang="en-US" dirty="0"/>
+              <a:t>GitHub integration </a:t>
+            </a:r>
+          </a:p>
+          <a:p>
+            <a:r>
+              <a:rPr lang="en-US" dirty="0"/>
+              <a:t>LinkedIn certificates</a:t>
+            </a:r>
+          </a:p>
+          <a:p>
+            <a:r>
+              <a:rPr lang="en-US" dirty="0"/>
+              <a:t>Allowing collaboration on projects – building a community of </a:t>
+            </a:r>
+          </a:p>
+          <a:p>
+            <a:pPr marL="0" indent="0">
+              <a:buNone/>
+            </a:pPr>
+            <a:r>
+              <a:rPr lang="en-US" dirty="0"/>
+              <a:t>Open-source development</a:t>
+            </a:r>
+            <a:endParaRPr lang="he-IL" dirty="0"/>
+          </a:p>
+        </p:txBody>
+      </p:sp>
+    </p:spTree>
+    <p:extLst>
+      <p:ext uri="{BB962C8B-B14F-4D97-AF65-F5344CB8AC3E}">
+        <p14:creationId xmlns:p14="http://schemas.microsoft.com/office/powerpoint/2010/main" val="3109505835"/>
+      </p:ext>
+    </p:extLst>
+  </p:cSld>
+  <p:clrMapOvr>
+    <a:masterClrMapping/>
+  </p:clrMapOvr>
+</p:sld>
+</file>
+
+<file path=ppt/slides/slide7.xml><?xml version="1.0" encoding="utf-8"?>
+<p:sld xmlns:a="http://schemas.openxmlformats.org/drawingml/2006/main" xmlns:r="http://schemas.openxmlformats.org/officeDocument/2006/relationships" xmlns:p="http://schemas.openxmlformats.org/presentationml/2006/main">
+  <p:cSld>
+    <p:spTree>
+      <p:nvGrpSpPr>
+        <p:cNvPr id="1" name=""/>
+        <p:cNvGrpSpPr/>
+        <p:nvPr/>
+      </p:nvGrpSpPr>
+      <p:grpSpPr>
+        <a:xfrm>
+          <a:off x="0" y="0"/>
+          <a:ext cx="0" cy="0"/>
+          <a:chOff x="0" y="0"/>
+          <a:chExt cx="0" cy="0"/>
+        </a:xfrm>
+      </p:grpSpPr>
+      <p:pic>
+        <p:nvPicPr>
+          <p:cNvPr id="5" name="Picture 4">
+            <a:extLst>
+              <a:ext uri="{FF2B5EF4-FFF2-40B4-BE49-F238E27FC236}">
                 <a16:creationId xmlns:a16="http://schemas.microsoft.com/office/drawing/2014/main" id="{EDB2ADC3-F7AC-42FC-9CA9-CE97FFEDC3EA}"/>
               </a:ext>
             </a:extLst>
@@ -4455,7 +4891,7 @@
 </p:sld>
 </file>
 
-<file path=ppt/slides/slide6.xml><?xml version="1.0" encoding="utf-8"?>
+<file path=ppt/slides/slide8.xml><?xml version="1.0" encoding="utf-8"?>
 <p:sld xmlns:a="http://schemas.openxmlformats.org/drawingml/2006/main" xmlns:r="http://schemas.openxmlformats.org/officeDocument/2006/relationships" xmlns:p="http://schemas.openxmlformats.org/presentationml/2006/main">
   <p:cSld>
     <p:spTree>
@@ -4515,7 +4951,7 @@
 </p:sld>
 </file>
 
-<file path=ppt/slides/slide7.xml><?xml version="1.0" encoding="utf-8"?>
+<file path=ppt/slides/slide9.xml><?xml version="1.0" encoding="utf-8"?>
 <p:sld xmlns:a="http://schemas.openxmlformats.org/drawingml/2006/main" xmlns:r="http://schemas.openxmlformats.org/officeDocument/2006/relationships" xmlns:p="http://schemas.openxmlformats.org/presentationml/2006/main">
   <p:cSld>
     <p:spTree>
@@ -4566,126 +5002,6 @@
     <p:extLst>
       <p:ext uri="{BB962C8B-B14F-4D97-AF65-F5344CB8AC3E}">
         <p14:creationId xmlns:p14="http://schemas.microsoft.com/office/powerpoint/2010/main" val="3761467123"/>
-      </p:ext>
-    </p:extLst>
-  </p:cSld>
-  <p:clrMapOvr>
-    <a:masterClrMapping/>
-  </p:clrMapOvr>
-</p:sld>
-</file>
-
-<file path=ppt/slides/slide8.xml><?xml version="1.0" encoding="utf-8"?>
-<p:sld xmlns:a="http://schemas.openxmlformats.org/drawingml/2006/main" xmlns:r="http://schemas.openxmlformats.org/officeDocument/2006/relationships" xmlns:p="http://schemas.openxmlformats.org/presentationml/2006/main">
-  <p:cSld>
-    <p:spTree>
-      <p:nvGrpSpPr>
-        <p:cNvPr id="1" name=""/>
-        <p:cNvGrpSpPr/>
-        <p:nvPr/>
-      </p:nvGrpSpPr>
-      <p:grpSpPr>
-        <a:xfrm>
-          <a:off x="0" y="0"/>
-          <a:ext cx="0" cy="0"/>
-          <a:chOff x="0" y="0"/>
-          <a:chExt cx="0" cy="0"/>
-        </a:xfrm>
-      </p:grpSpPr>
-      <p:pic>
-        <p:nvPicPr>
-          <p:cNvPr id="5" name="Picture 4">
-            <a:extLst>
-              <a:ext uri="{FF2B5EF4-FFF2-40B4-BE49-F238E27FC236}">
-                <a16:creationId xmlns:a16="http://schemas.microsoft.com/office/drawing/2014/main" id="{0AF99CED-8509-4A8C-BC4D-525AEA2D10A9}"/>
-              </a:ext>
-            </a:extLst>
-          </p:cNvPr>
-          <p:cNvPicPr>
-            <a:picLocks noChangeAspect="1"/>
-          </p:cNvPicPr>
-          <p:nvPr/>
-        </p:nvPicPr>
-        <p:blipFill>
-          <a:blip r:embed="rId2"/>
-          <a:stretch>
-            <a:fillRect/>
-          </a:stretch>
-        </p:blipFill>
-        <p:spPr>
-          <a:xfrm>
-            <a:off x="1356010" y="0"/>
-            <a:ext cx="9479979" cy="6858000"/>
-          </a:xfrm>
-          <a:prstGeom prst="rect">
-            <a:avLst/>
-          </a:prstGeom>
-        </p:spPr>
-      </p:pic>
-    </p:spTree>
-    <p:extLst>
-      <p:ext uri="{BB962C8B-B14F-4D97-AF65-F5344CB8AC3E}">
-        <p14:creationId xmlns:p14="http://schemas.microsoft.com/office/powerpoint/2010/main" val="940833326"/>
-      </p:ext>
-    </p:extLst>
-  </p:cSld>
-  <p:clrMapOvr>
-    <a:masterClrMapping/>
-  </p:clrMapOvr>
-</p:sld>
-</file>
-
-<file path=ppt/slides/slide9.xml><?xml version="1.0" encoding="utf-8"?>
-<p:sld xmlns:a="http://schemas.openxmlformats.org/drawingml/2006/main" xmlns:r="http://schemas.openxmlformats.org/officeDocument/2006/relationships" xmlns:p="http://schemas.openxmlformats.org/presentationml/2006/main">
-  <p:cSld>
-    <p:spTree>
-      <p:nvGrpSpPr>
-        <p:cNvPr id="1" name=""/>
-        <p:cNvGrpSpPr/>
-        <p:nvPr/>
-      </p:nvGrpSpPr>
-      <p:grpSpPr>
-        <a:xfrm>
-          <a:off x="0" y="0"/>
-          <a:ext cx="0" cy="0"/>
-          <a:chOff x="0" y="0"/>
-          <a:chExt cx="0" cy="0"/>
-        </a:xfrm>
-      </p:grpSpPr>
-      <p:pic>
-        <p:nvPicPr>
-          <p:cNvPr id="3" name="Picture 2">
-            <a:extLst>
-              <a:ext uri="{FF2B5EF4-FFF2-40B4-BE49-F238E27FC236}">
-                <a16:creationId xmlns:a16="http://schemas.microsoft.com/office/drawing/2014/main" id="{82B3BB8A-F12F-4C3A-B23C-94AF251131F8}"/>
-              </a:ext>
-            </a:extLst>
-          </p:cNvPr>
-          <p:cNvPicPr>
-            <a:picLocks noChangeAspect="1"/>
-          </p:cNvPicPr>
-          <p:nvPr/>
-        </p:nvPicPr>
-        <p:blipFill>
-          <a:blip r:embed="rId2"/>
-          <a:stretch>
-            <a:fillRect/>
-          </a:stretch>
-        </p:blipFill>
-        <p:spPr>
-          <a:xfrm>
-            <a:off x="1103572" y="0"/>
-            <a:ext cx="9984855" cy="6858000"/>
-          </a:xfrm>
-          <a:prstGeom prst="rect">
-            <a:avLst/>
-          </a:prstGeom>
-        </p:spPr>
-      </p:pic>
-    </p:spTree>
-    <p:extLst>
-      <p:ext uri="{BB962C8B-B14F-4D97-AF65-F5344CB8AC3E}">
-        <p14:creationId xmlns:p14="http://schemas.microsoft.com/office/powerpoint/2010/main" val="532807360"/>
       </p:ext>
     </p:extLst>
   </p:cSld>

--- a/presentaion.pptx
+++ b/presentaion.pptx
@@ -4445,7 +4445,21 @@
           <a:p>
             <a:r>
               <a:rPr lang="en-US" sz="2000" dirty="0"/>
-              <a:t>Community and collaboration </a:t>
+              <a:t>Community and collaboration</a:t>
+            </a:r>
+          </a:p>
+          <a:p>
+            <a:r>
+              <a:rPr lang="en-US" sz="2000" dirty="0"/>
+              <a:t>Allowing </a:t>
+            </a:r>
+            <a:r>
+              <a:rPr lang="en-US" sz="2000" dirty="0" err="1"/>
+              <a:t>opurtunitues</a:t>
+            </a:r>
+            <a:r>
+              <a:rPr lang="en-US" sz="2000" dirty="0"/>
+              <a:t>  </a:t>
             </a:r>
           </a:p>
           <a:p>
@@ -4624,6 +4638,18 @@
               <a:rPr lang="en-US" dirty="0"/>
               <a:t>Server side – with RESTful API (Implemented with python’s flask)</a:t>
             </a:r>
+            <a:endParaRPr lang="he-IL" dirty="0"/>
+          </a:p>
+          <a:p>
+            <a:r>
+              <a:rPr lang="en-US" dirty="0"/>
+              <a:t>Database </a:t>
+            </a:r>
+            <a:r>
+              <a:rPr lang="en-US"/>
+              <a:t>using MongoDB</a:t>
+            </a:r>
+            <a:endParaRPr lang="en-US" dirty="0"/>
           </a:p>
           <a:p>
             <a:r>
